--- a/Dart - EP2PP.pptx
+++ b/Dart - EP2PP.pptx
@@ -4468,13 +4468,13 @@
   <p:clrMapOvr>
     <a:masterClrMapping/>
   </p:clrMapOvr>
-  <mc:AlternateContent xmlns:mc="http://schemas.openxmlformats.org/markup-compatibility/2006">
-    <mc:Choice xmlns:p159="http://schemas.microsoft.com/office/powerpoint/2015/09/main" Requires="p159">
+  <mc:AlternateContent xmlns:mc="http://schemas.openxmlformats.org/markup-compatibility/2006" xmlns:p159="http://schemas.microsoft.com/office/powerpoint/2015/09/main">
+    <mc:Choice Requires="p159">
       <p:transition xmlns:p14="http://schemas.microsoft.com/office/powerpoint/2010/main" spd="slow" p14:dur="2000">
         <p159:morph option="byObject"/>
       </p:transition>
     </mc:Choice>
-    <mc:Fallback>
+    <mc:Fallback xmlns="">
       <p:transition spd="slow">
         <p:fade/>
       </p:transition>
@@ -4844,13 +4844,13 @@
   <p:clrMapOvr>
     <a:masterClrMapping/>
   </p:clrMapOvr>
-  <mc:AlternateContent xmlns:mc="http://schemas.openxmlformats.org/markup-compatibility/2006">
-    <mc:Choice xmlns:p159="http://schemas.microsoft.com/office/powerpoint/2015/09/main" Requires="p159">
+  <mc:AlternateContent xmlns:mc="http://schemas.openxmlformats.org/markup-compatibility/2006" xmlns:p159="http://schemas.microsoft.com/office/powerpoint/2015/09/main">
+    <mc:Choice Requires="p159">
       <p:transition xmlns:p14="http://schemas.microsoft.com/office/powerpoint/2010/main" spd="slow" p14:dur="2000">
         <p159:morph option="byObject"/>
       </p:transition>
     </mc:Choice>
-    <mc:Fallback>
+    <mc:Fallback xmlns="">
       <p:transition spd="slow">
         <p:fade/>
       </p:transition>
@@ -6343,6 +6343,7 @@
         </p:nvPicPr>
         <p:blipFill>
           <a:blip r:embed="rId2"/>
+          <a:srcRect b="73217"/>
           <a:stretch>
             <a:fillRect/>
           </a:stretch>
@@ -6350,7 +6351,7 @@
         <p:spPr>
           <a:xfrm>
             <a:off x="3966865" y="2903620"/>
-            <a:ext cx="4258269" cy="3181794"/>
+            <a:ext cx="4258269" cy="852171"/>
           </a:xfrm>
           <a:prstGeom prst="rect">
             <a:avLst/>
@@ -6499,6 +6500,77 @@
           </a:p>
         </p:txBody>
       </p:sp>
+      <p:pic>
+        <p:nvPicPr>
+          <p:cNvPr id="9" name="Imagem 8">
+            <a:extLst>
+              <a:ext uri="{FF2B5EF4-FFF2-40B4-BE49-F238E27FC236}">
+                <a16:creationId xmlns:a16="http://schemas.microsoft.com/office/drawing/2014/main" id="{4641BBE7-6ED4-AA12-6BDC-D412A46F9B2E}"/>
+              </a:ext>
+            </a:extLst>
+          </p:cNvPr>
+          <p:cNvPicPr>
+            <a:picLocks noChangeAspect="1"/>
+          </p:cNvPicPr>
+          <p:nvPr/>
+        </p:nvPicPr>
+        <p:blipFill>
+          <a:blip r:embed="rId3"/>
+          <a:stretch>
+            <a:fillRect/>
+          </a:stretch>
+        </p:blipFill>
+        <p:spPr>
+          <a:xfrm>
+            <a:off x="4454301" y="4039703"/>
+            <a:ext cx="3283393" cy="1166469"/>
+          </a:xfrm>
+          <a:prstGeom prst="rect">
+            <a:avLst/>
+          </a:prstGeom>
+          <a:ln w="19050">
+            <a:solidFill>
+              <a:schemeClr val="bg1"/>
+            </a:solidFill>
+          </a:ln>
+        </p:spPr>
+      </p:pic>
+      <p:pic>
+        <p:nvPicPr>
+          <p:cNvPr id="10" name="Imagem 9">
+            <a:extLst>
+              <a:ext uri="{FF2B5EF4-FFF2-40B4-BE49-F238E27FC236}">
+                <a16:creationId xmlns:a16="http://schemas.microsoft.com/office/drawing/2014/main" id="{5852FB96-07BA-ABA5-57D2-96D92D48EF1A}"/>
+              </a:ext>
+            </a:extLst>
+          </p:cNvPr>
+          <p:cNvPicPr>
+            <a:picLocks noChangeAspect="1"/>
+          </p:cNvPicPr>
+          <p:nvPr/>
+        </p:nvPicPr>
+        <p:blipFill>
+          <a:blip r:embed="rId2"/>
+          <a:srcRect t="80496"/>
+          <a:stretch>
+            <a:fillRect/>
+          </a:stretch>
+        </p:blipFill>
+        <p:spPr>
+          <a:xfrm>
+            <a:off x="3966864" y="5490085"/>
+            <a:ext cx="4258269" cy="620580"/>
+          </a:xfrm>
+          <a:prstGeom prst="rect">
+            <a:avLst/>
+          </a:prstGeom>
+          <a:ln w="19050">
+            <a:solidFill>
+              <a:schemeClr val="bg1"/>
+            </a:solidFill>
+          </a:ln>
+        </p:spPr>
+      </p:pic>
     </p:spTree>
     <p:extLst>
       <p:ext uri="{BB962C8B-B14F-4D97-AF65-F5344CB8AC3E}">
